--- a/doc/Strategy.pptx
+++ b/doc/Strategy.pptx
@@ -24395,7 +24395,7 @@
             </a:pPr>
             <a:r>
               <a:rPr lang="ru-RU" dirty="0"/>
-              <a:t>Так же есть возможность посмотреть свои игры и рейтинг всех пользователей сайта.</a:t>
+              <a:t>Так же есть возможность посмотреть рейтинг всех пользователей сайта.</a:t>
             </a:r>
             <a:endParaRPr dirty="0"/>
           </a:p>

--- a/doc/Strategy.pptx
+++ b/doc/Strategy.pptx
@@ -31216,9 +31216,37 @@
               </a:spcAft>
               <a:buNone/>
             </a:pPr>
+            <a:endParaRPr lang="en-US" sz="2000" dirty="0" smtClean="0"/>
+          </a:p>
+          <a:p>
+            <a:pPr marL="0" lvl="0" indent="0" algn="l" rtl="0">
+              <a:spcBef>
+                <a:spcPts val="0"/>
+              </a:spcBef>
+              <a:spcAft>
+                <a:spcPts val="0"/>
+              </a:spcAft>
+              <a:buNone/>
+            </a:pPr>
+            <a:endParaRPr lang="en-US" sz="2000" dirty="0"/>
+          </a:p>
+          <a:p>
+            <a:pPr marL="0" lvl="0" indent="0" algn="l" rtl="0">
+              <a:spcBef>
+                <a:spcPts val="0"/>
+              </a:spcBef>
+              <a:spcAft>
+                <a:spcPts val="0"/>
+              </a:spcAft>
+              <a:buNone/>
+            </a:pPr>
+            <a:r>
+              <a:rPr lang="ru-RU" sz="2000" dirty="0" smtClean="0"/>
+              <a:t>Биография </a:t>
+            </a:r>
             <a:r>
               <a:rPr lang="ru-RU" sz="2000" dirty="0"/>
-              <a:t>Биография шахматистов.</a:t>
+              <a:t>шахматистов.</a:t>
             </a:r>
             <a:endParaRPr sz="2000" dirty="0"/>
           </a:p>
@@ -33296,7 +33324,7 @@
         </p:nvSpPr>
         <p:spPr>
           <a:xfrm>
-            <a:off x="1424180" y="387342"/>
+            <a:off x="1243586" y="289536"/>
             <a:ext cx="6295590" cy="1796299"/>
           </a:xfrm>
           <a:prstGeom prst="rect">
@@ -35856,30 +35884,15 @@
           </a:lstStyle>
           <a:p>
             <a:pPr algn="ctr"/>
-            <a:r>
-              <a:rPr lang="ru-RU" sz="3200" b="1" dirty="0">
-                <a:solidFill>
-                  <a:schemeClr val="bg1">
-                    <a:lumMod val="90000"/>
-                    <a:lumOff val="10000"/>
-                  </a:schemeClr>
-                </a:solidFill>
-                <a:latin typeface="Anaheim"/>
-              </a:rPr>
-              <a:t>Наш сайт: </a:t>
-            </a:r>
-            <a:r>
-              <a:rPr lang="ru-RU" sz="3200" dirty="0">
-                <a:solidFill>
-                  <a:schemeClr val="bg1">
-                    <a:lumMod val="90000"/>
-                    <a:lumOff val="10000"/>
-                  </a:schemeClr>
-                </a:solidFill>
-                <a:latin typeface="Anaheim"/>
-              </a:rPr>
-              <a:t>ссылка</a:t>
-            </a:r>
+            <a:endParaRPr lang="ru-RU" sz="3200" dirty="0">
+              <a:solidFill>
+                <a:schemeClr val="bg1">
+                  <a:lumMod val="90000"/>
+                  <a:lumOff val="10000"/>
+                </a:schemeClr>
+              </a:solidFill>
+              <a:latin typeface="Anaheim"/>
+            </a:endParaRPr>
           </a:p>
         </p:txBody>
       </p:sp>
@@ -35899,8 +35912,8 @@
         </p:nvSpPr>
         <p:spPr>
           <a:xfrm>
-            <a:off x="2264220" y="2377461"/>
-            <a:ext cx="4595100" cy="933300"/>
+            <a:off x="1893094" y="1768040"/>
+            <a:ext cx="4966226" cy="1557008"/>
           </a:xfrm>
           <a:prstGeom prst="rect">
             <a:avLst/>
@@ -36142,7 +36155,7 @@
           <a:p>
             <a:pPr algn="ctr"/>
             <a:r>
-              <a:rPr lang="ru-RU" sz="2000" b="1">
+              <a:rPr lang="ru-RU" sz="2800" b="1" dirty="0" err="1">
                 <a:solidFill>
                   <a:schemeClr val="bg1">
                     <a:lumMod val="90000"/>
@@ -36154,7 +36167,7 @@
               <a:t>Телеграм</a:t>
             </a:r>
             <a:r>
-              <a:rPr lang="ru-RU" sz="2000" b="1" dirty="0">
+              <a:rPr lang="ru-RU" sz="2800" b="1" dirty="0">
                 <a:solidFill>
                   <a:schemeClr val="bg1">
                     <a:lumMod val="90000"/>
@@ -36166,7 +36179,7 @@
               <a:t> бот: </a:t>
             </a:r>
             <a:r>
-              <a:rPr lang="ru-RU" sz="2000" dirty="0">
+              <a:rPr lang="ru-RU" sz="2800" dirty="0">
                 <a:solidFill>
                   <a:schemeClr val="bg1">
                     <a:lumMod val="90000"/>

--- a/doc/Strategy.pptx
+++ b/doc/Strategy.pptx
@@ -25058,31 +25058,31 @@
             </a:pPr>
             <a:r>
               <a:rPr lang="ru-RU" sz="1800" dirty="0"/>
-              <a:t>Игра написана с использованием библиотека</a:t>
+              <a:t>Игра написана с использованием </a:t>
             </a:r>
             <a:r>
-              <a:rPr lang="en-US" sz="1800" dirty="0"/>
+              <a:rPr lang="ru-RU" sz="1800" dirty="0" smtClean="0"/>
+              <a:t>библиотеки</a:t>
+            </a:r>
+            <a:r>
+              <a:rPr lang="en-US" sz="1800" dirty="0" smtClean="0"/>
               <a:t> </a:t>
             </a:r>
             <a:r>
-              <a:rPr lang="en-US" sz="1800" b="1" dirty="0"/>
+              <a:rPr lang="en-US" sz="1800" b="1" dirty="0" smtClean="0"/>
               <a:t>chess</a:t>
             </a:r>
             <a:r>
               <a:rPr lang="ru-RU" sz="1800" b="1" dirty="0"/>
+              <a:t>,</a:t>
+            </a:r>
+            <a:r>
+              <a:rPr lang="ru-RU" sz="1800" b="1" dirty="0" smtClean="0"/>
               <a:t> </a:t>
             </a:r>
             <a:r>
-              <a:rPr lang="ru-RU" sz="1800" dirty="0"/>
-              <a:t>и</a:t>
-            </a:r>
-            <a:r>
-              <a:rPr lang="ru-RU" sz="1800" b="1" dirty="0"/>
-              <a:t> </a:t>
-            </a:r>
-            <a:r>
-              <a:rPr lang="ru-RU" sz="1800" dirty="0"/>
-              <a:t>шахматный движок </a:t>
+              <a:rPr lang="ru-RU" sz="1800" dirty="0" smtClean="0"/>
+              <a:t>шахматного движка </a:t>
             </a:r>
             <a:r>
               <a:rPr lang="ru-RU" sz="1800" b="1" dirty="0" err="1"/>
@@ -25090,7 +25090,19 @@
             </a:r>
             <a:r>
               <a:rPr lang="ru-RU" sz="1800" dirty="0"/>
-              <a:t> и соответствующая библиотека в </a:t>
+              <a:t> </a:t>
+            </a:r>
+            <a:r>
+              <a:rPr lang="ru-RU" sz="1800"/>
+              <a:t>и </a:t>
+            </a:r>
+            <a:r>
+              <a:rPr lang="ru-RU" sz="1800" smtClean="0"/>
+              <a:t>соответствующей библиотеки </a:t>
+            </a:r>
+            <a:r>
+              <a:rPr lang="ru-RU" sz="1800" dirty="0"/>
+              <a:t>в </a:t>
             </a:r>
             <a:r>
               <a:rPr lang="ru-RU" sz="1800" dirty="0" err="1"/>
